--- a/tirgul/Express.pptx
+++ b/tirgul/Express.pptx
@@ -11,7 +11,8 @@
     <p:sldId id="259" r:id="rId5"/>
     <p:sldId id="260" r:id="rId6"/>
     <p:sldId id="261" r:id="rId7"/>
-    <p:sldId id="262" r:id="rId8"/>
+    <p:sldId id="263" r:id="rId8"/>
+    <p:sldId id="262" r:id="rId9"/>
   </p:sldIdLst>
   <p:sldSz cx="12192000" cy="6858000"/>
   <p:notesSz cx="6858000" cy="9144000"/>
@@ -110,6 +111,11 @@
       </a:defRPr>
     </a:lvl9pPr>
   </p:defaultTextStyle>
+  <p:extLst>
+    <p:ext uri="{EFAFB233-063F-42B5-8137-9DF3F51BA10A}">
+      <p15:sldGuideLst xmlns:p15="http://schemas.microsoft.com/office/powerpoint/2012/main"/>
+    </p:ext>
+  </p:extLst>
 </p:presentation>
 </file>
 
@@ -449,7 +455,7 @@
             <a:fld id="{5923F103-BC34-4FE4-A40E-EDDEECFDA5D0}" type="datetimeFigureOut">
               <a:rPr lang="en-US" dirty="0"/>
               <a:pPr/>
-              <a:t>28-Mar-16</a:t>
+              <a:t>29-Mar-16</a:t>
             </a:fld>
             <a:endParaRPr lang="en-US" dirty="0"/>
           </a:p>
@@ -1537,7 +1543,7 @@
           <a:p>
             <a:fld id="{923A1CC3-2375-41D4-9E03-427CAF2A4C1A}" type="datetimeFigureOut">
               <a:rPr lang="en-US" dirty="0"/>
-              <a:t>28-Mar-16</a:t>
+              <a:t>29-Mar-16</a:t>
             </a:fld>
             <a:endParaRPr lang="en-US" dirty="0"/>
           </a:p>
@@ -2517,7 +2523,7 @@
           <a:p>
             <a:fld id="{AFF16868-8199-4C2C-A5B1-63AEE139F88E}" type="datetimeFigureOut">
               <a:rPr lang="en-US" dirty="0"/>
-              <a:t>28-Mar-16</a:t>
+              <a:t>29-Mar-16</a:t>
             </a:fld>
             <a:endParaRPr lang="en-US" dirty="0"/>
           </a:p>
@@ -3651,7 +3657,7 @@
           <a:p>
             <a:fld id="{AAD9FF7F-6988-44CC-821B-644E70CD2F73}" type="datetimeFigureOut">
               <a:rPr lang="en-US" dirty="0"/>
-              <a:t>28-Mar-16</a:t>
+              <a:t>29-Mar-16</a:t>
             </a:fld>
             <a:endParaRPr lang="en-US" dirty="0"/>
           </a:p>
@@ -4684,7 +4690,7 @@
           <a:p>
             <a:fld id="{5C12C299-16B2-4475-990D-751901EACC14}" type="datetimeFigureOut">
               <a:rPr lang="en-US" dirty="0"/>
-              <a:t>28-Mar-16</a:t>
+              <a:t>29-Mar-16</a:t>
             </a:fld>
             <a:endParaRPr lang="en-US" dirty="0"/>
           </a:p>
@@ -5344,7 +5350,7 @@
           <a:p>
             <a:fld id="{9FE86839-B9D8-4651-8783-F325ECE74E65}" type="datetimeFigureOut">
               <a:rPr lang="en-US" dirty="0"/>
-              <a:t>28-Mar-16</a:t>
+              <a:t>29-Mar-16</a:t>
             </a:fld>
             <a:endParaRPr lang="en-US" dirty="0"/>
           </a:p>
@@ -6205,7 +6211,7 @@
           <a:p>
             <a:fld id="{FD484F64-32F6-45C5-931F-ADC1662401D0}" type="datetimeFigureOut">
               <a:rPr lang="en-US" dirty="0"/>
-              <a:t>28-Mar-16</a:t>
+              <a:t>29-Mar-16</a:t>
             </a:fld>
             <a:endParaRPr lang="en-US" dirty="0"/>
           </a:p>
@@ -6395,7 +6401,7 @@
           <a:p>
             <a:fld id="{53086D93-FCAC-47E0-A2EE-787E62CA814C}" type="datetimeFigureOut">
               <a:rPr lang="en-US" dirty="0"/>
-              <a:t>28-Mar-16</a:t>
+              <a:t>29-Mar-16</a:t>
             </a:fld>
             <a:endParaRPr lang="en-US" dirty="0"/>
           </a:p>
@@ -7367,7 +7373,7 @@
           <a:p>
             <a:fld id="{CDA879A6-0FD0-4734-A311-86BFCA472E6E}" type="datetimeFigureOut">
               <a:rPr lang="en-US" dirty="0"/>
-              <a:t>28-Mar-16</a:t>
+              <a:t>29-Mar-16</a:t>
             </a:fld>
             <a:endParaRPr lang="en-US" dirty="0"/>
           </a:p>
@@ -7578,7 +7584,7 @@
           <a:p>
             <a:fld id="{19C9CA7B-DFD4-44B5-8C60-D14B8CD1FB59}" type="datetimeFigureOut">
               <a:rPr lang="en-US" dirty="0"/>
-              <a:t>28-Mar-16</a:t>
+              <a:t>29-Mar-16</a:t>
             </a:fld>
             <a:endParaRPr lang="en-US" dirty="0"/>
           </a:p>
@@ -8612,7 +8618,7 @@
           <a:p>
             <a:fld id="{F34E6425-0181-43F2-84FC-787E803FD2F8}" type="datetimeFigureOut">
               <a:rPr lang="en-US" dirty="0"/>
-              <a:t>28-Mar-16</a:t>
+              <a:t>29-Mar-16</a:t>
             </a:fld>
             <a:endParaRPr lang="en-US" dirty="0"/>
           </a:p>
@@ -8884,7 +8890,7 @@
           <a:p>
             <a:fld id="{3BDB8791-F1B0-41E7-B7FD-A781E65C4266}" type="datetimeFigureOut">
               <a:rPr lang="en-US" dirty="0"/>
-              <a:t>28-Mar-16</a:t>
+              <a:t>29-Mar-16</a:t>
             </a:fld>
             <a:endParaRPr lang="en-US" dirty="0"/>
           </a:p>
@@ -9294,7 +9300,7 @@
           <a:p>
             <a:fld id="{5FDD63B2-E120-4ED8-B27B-C685F510A5FE}" type="datetimeFigureOut">
               <a:rPr lang="en-US" dirty="0"/>
-              <a:t>28-Mar-16</a:t>
+              <a:t>29-Mar-16</a:t>
             </a:fld>
             <a:endParaRPr lang="en-US" dirty="0"/>
           </a:p>
@@ -9421,7 +9427,7 @@
           <a:p>
             <a:fld id="{7AA18ACC-A947-437B-A130-35BD54FDF1E9}" type="datetimeFigureOut">
               <a:rPr lang="en-US" dirty="0"/>
-              <a:t>28-Mar-16</a:t>
+              <a:t>29-Mar-16</a:t>
             </a:fld>
             <a:endParaRPr lang="en-US" dirty="0"/>
           </a:p>
@@ -9516,7 +9522,7 @@
           <a:p>
             <a:fld id="{7C8D7E02-BCB8-4D50-A234-369438C08659}" type="datetimeFigureOut">
               <a:rPr lang="en-US" dirty="0"/>
-              <a:t>28-Mar-16</a:t>
+              <a:t>29-Mar-16</a:t>
             </a:fld>
             <a:endParaRPr lang="en-US" dirty="0"/>
           </a:p>
@@ -10597,7 +10603,7 @@
           <a:p>
             <a:fld id="{76E86A4C-8E40-4F87-A4F0-01A0687C5742}" type="datetimeFigureOut">
               <a:rPr lang="en-US" dirty="0"/>
-              <a:t>28-Mar-16</a:t>
+              <a:t>29-Mar-16</a:t>
             </a:fld>
             <a:endParaRPr lang="en-US" dirty="0"/>
           </a:p>
@@ -11705,7 +11711,7 @@
           <a:p>
             <a:fld id="{35E72C73-2D91-4E12-BA25-F0AA0C03599B}" type="datetimeFigureOut">
               <a:rPr lang="en-US" dirty="0"/>
-              <a:t>28-Mar-16</a:t>
+              <a:t>29-Mar-16</a:t>
             </a:fld>
             <a:endParaRPr lang="en-US" dirty="0"/>
           </a:p>
@@ -12702,7 +12708,7 @@
           <a:p>
             <a:fld id="{2BE451C3-0FF4-47C4-B829-773ADF60F88C}" type="datetimeFigureOut">
               <a:rPr lang="en-US" dirty="0"/>
-              <a:t>28-Mar-16</a:t>
+              <a:t>29-Mar-16</a:t>
             </a:fld>
             <a:endParaRPr lang="en-US" dirty="0"/>
           </a:p>
@@ -13746,20 +13752,12 @@
               <a:rPr lang="en-US" dirty="0"/>
               <a:t>){</a:t>
             </a:r>
-            <a:r>
-              <a:rPr lang="en-US" dirty="0"/>
-              <a:t/>
-            </a:r>
             <a:br>
               <a:rPr lang="en-US" dirty="0"/>
             </a:br>
             <a:r>
               <a:rPr lang="en-US" dirty="0"/>
               <a:t>       </a:t>
-            </a:r>
-            <a:r>
-              <a:rPr lang="en-US" dirty="0"/>
-              <a:t/>
             </a:r>
             <a:br>
               <a:rPr lang="en-US" dirty="0"/>
@@ -13785,10 +13783,6 @@
             <a:r>
               <a:rPr lang="en-US" dirty="0"/>
               <a:t>('index.html');</a:t>
-            </a:r>
-            <a:r>
-              <a:rPr lang="en-US" dirty="0"/>
-              <a:t/>
             </a:r>
             <a:br>
               <a:rPr lang="en-US" dirty="0"/>
@@ -13974,7 +13968,12 @@
             <p:ph idx="1"/>
           </p:nvPr>
         </p:nvSpPr>
-        <p:spPr/>
+        <p:spPr>
+          <a:xfrm>
+            <a:off x="1283743" y="2577742"/>
+            <a:ext cx="8825659" cy="3416300"/>
+          </a:xfrm>
+        </p:spPr>
         <p:txBody>
           <a:bodyPr/>
           <a:lstStyle/>
@@ -14089,6 +14088,19 @@
             <a:r>
               <a:rPr lang="en-US" dirty="0" smtClean="0"/>
               <a:t>});</a:t>
+            </a:r>
+          </a:p>
+          <a:p>
+            <a:pPr marL="0" indent="0" algn="l">
+              <a:buNone/>
+            </a:pPr>
+            <a:r>
+              <a:rPr lang="en-US" dirty="0" err="1" smtClean="0"/>
+              <a:t>app.listen</a:t>
+            </a:r>
+            <a:r>
+              <a:rPr lang="en-US" dirty="0" smtClean="0"/>
+              <a:t>(8000);</a:t>
             </a:r>
             <a:endParaRPr lang="en-US" dirty="0"/>
           </a:p>
@@ -14115,6 +14127,256 @@
 </file>
 
 <file path=ppt/slides/slide7.xml><?xml version="1.0" encoding="utf-8"?>
+<p:sld xmlns:a="http://schemas.openxmlformats.org/drawingml/2006/main" xmlns:r="http://schemas.openxmlformats.org/officeDocument/2006/relationships" xmlns:p="http://schemas.openxmlformats.org/presentationml/2006/main">
+  <p:cSld>
+    <p:spTree>
+      <p:nvGrpSpPr>
+        <p:cNvPr id="1" name=""/>
+        <p:cNvGrpSpPr/>
+        <p:nvPr/>
+      </p:nvGrpSpPr>
+      <p:grpSpPr>
+        <a:xfrm>
+          <a:off x="0" y="0"/>
+          <a:ext cx="0" cy="0"/>
+          <a:chOff x="0" y="0"/>
+          <a:chExt cx="0" cy="0"/>
+        </a:xfrm>
+      </p:grpSpPr>
+      <p:sp>
+        <p:nvSpPr>
+          <p:cNvPr id="2" name="Title 1"/>
+          <p:cNvSpPr>
+            <a:spLocks noGrp="1"/>
+          </p:cNvSpPr>
+          <p:nvPr>
+            <p:ph type="title"/>
+          </p:nvPr>
+        </p:nvSpPr>
+        <p:spPr/>
+        <p:txBody>
+          <a:bodyPr/>
+          <a:lstStyle/>
+          <a:p>
+            <a:r>
+              <a:rPr lang="en-US" dirty="0" smtClean="0"/>
+              <a:t>Query</a:t>
+            </a:r>
+            <a:endParaRPr lang="en-US" dirty="0"/>
+          </a:p>
+        </p:txBody>
+      </p:sp>
+      <p:sp>
+        <p:nvSpPr>
+          <p:cNvPr id="3" name="Content Placeholder 2"/>
+          <p:cNvSpPr>
+            <a:spLocks noGrp="1"/>
+          </p:cNvSpPr>
+          <p:nvPr>
+            <p:ph idx="1"/>
+          </p:nvPr>
+        </p:nvSpPr>
+        <p:spPr/>
+        <p:txBody>
+          <a:bodyPr>
+            <a:normAutofit lnSpcReduction="10000"/>
+          </a:bodyPr>
+          <a:lstStyle/>
+          <a:p>
+            <a:pPr algn="r" rtl="1"/>
+            <a:r>
+              <a:rPr lang="he-IL" dirty="0"/>
+              <a:t>אז ראינו את הכתובת של </a:t>
+            </a:r>
+            <a:r>
+              <a:rPr lang="en-US" dirty="0"/>
+              <a:t>Made in </a:t>
+            </a:r>
+            <a:r>
+              <a:rPr lang="en-US" dirty="0" err="1"/>
+              <a:t>jlm</a:t>
+            </a:r>
+            <a:r>
+              <a:rPr lang="he-IL" dirty="0"/>
+              <a:t> בפייסבוק, וברור לנו איך היא עובדת</a:t>
+            </a:r>
+          </a:p>
+          <a:p>
+            <a:pPr algn="r" rtl="1"/>
+            <a:r>
+              <a:rPr lang="he-IL" dirty="0"/>
+              <a:t>אבל כאשר יוצרים קבוצה חדשה בפייסבוק, איך היא נוצרת בשרת עצמו?</a:t>
+            </a:r>
+          </a:p>
+          <a:p>
+            <a:pPr algn="r" rtl="1"/>
+            <a:r>
+              <a:rPr lang="he-IL" dirty="0"/>
+              <a:t>כאן יש שימוש בכתובות דינאמיות</a:t>
+            </a:r>
+          </a:p>
+          <a:p>
+            <a:pPr marL="0" indent="0">
+              <a:buNone/>
+            </a:pPr>
+            <a:r>
+              <a:rPr lang="en-US" dirty="0" err="1"/>
+              <a:t>app.</a:t>
+            </a:r>
+            <a:r>
+              <a:rPr lang="en-US" b="1" dirty="0" err="1"/>
+              <a:t>get</a:t>
+            </a:r>
+            <a:r>
+              <a:rPr lang="en-US" dirty="0"/>
+              <a:t>(‘/</a:t>
+            </a:r>
+            <a:r>
+              <a:rPr lang="en-US" dirty="0" smtClean="0"/>
+              <a:t>user’ </a:t>
+            </a:r>
+            <a:r>
+              <a:rPr lang="en-US" dirty="0"/>
+              <a:t>, function (</a:t>
+            </a:r>
+            <a:r>
+              <a:rPr lang="en-US" dirty="0" err="1"/>
+              <a:t>req</a:t>
+            </a:r>
+            <a:r>
+              <a:rPr lang="en-US" dirty="0"/>
+              <a:t>, res){</a:t>
+            </a:r>
+          </a:p>
+          <a:p>
+            <a:pPr marL="0" indent="0">
+              <a:buNone/>
+            </a:pPr>
+            <a:r>
+              <a:rPr lang="en-US" dirty="0" err="1"/>
+              <a:t>var</a:t>
+            </a:r>
+            <a:r>
+              <a:rPr lang="en-US" dirty="0"/>
+              <a:t> </a:t>
+            </a:r>
+            <a:r>
+              <a:rPr lang="en-US" dirty="0" err="1"/>
+              <a:t>userId</a:t>
+            </a:r>
+            <a:r>
+              <a:rPr lang="en-US" dirty="0"/>
+              <a:t> = </a:t>
+            </a:r>
+            <a:r>
+              <a:rPr lang="en-US" dirty="0" err="1" smtClean="0"/>
+              <a:t>req.query.user_id</a:t>
+            </a:r>
+            <a:r>
+              <a:rPr lang="en-US" dirty="0"/>
+              <a:t>; </a:t>
+            </a:r>
+            <a:r>
+              <a:rPr lang="en-US" sz="1600" i="1" dirty="0"/>
+              <a:t>//get the user </a:t>
+            </a:r>
+            <a:r>
+              <a:rPr lang="en-US" sz="1600" i="1" dirty="0" smtClean="0"/>
+              <a:t>id</a:t>
+            </a:r>
+          </a:p>
+          <a:p>
+            <a:pPr marL="0" indent="0">
+              <a:buNone/>
+            </a:pPr>
+            <a:r>
+              <a:rPr lang="en-US" dirty="0" err="1"/>
+              <a:t>var</a:t>
+            </a:r>
+            <a:r>
+              <a:rPr lang="en-US" dirty="0"/>
+              <a:t> </a:t>
+            </a:r>
+            <a:r>
+              <a:rPr lang="en-US" smtClean="0"/>
+              <a:t>userName </a:t>
+            </a:r>
+            <a:r>
+              <a:rPr lang="en-US" dirty="0"/>
+              <a:t>= </a:t>
+            </a:r>
+            <a:r>
+              <a:rPr lang="en-US" dirty="0" err="1" smtClean="0"/>
+              <a:t>req.query.user_name</a:t>
+            </a:r>
+            <a:r>
+              <a:rPr lang="en-US" dirty="0" smtClean="0"/>
+              <a:t>; </a:t>
+            </a:r>
+            <a:r>
+              <a:rPr lang="en-US" sz="1600" i="1" dirty="0"/>
+              <a:t>//get the user </a:t>
+            </a:r>
+            <a:r>
+              <a:rPr lang="en-US" sz="1600" i="1" dirty="0" smtClean="0"/>
+              <a:t>name</a:t>
+            </a:r>
+            <a:endParaRPr lang="en-US" i="1" dirty="0"/>
+          </a:p>
+          <a:p>
+            <a:pPr marL="0" indent="0">
+              <a:buNone/>
+            </a:pPr>
+            <a:endParaRPr lang="en-US" i="1" dirty="0"/>
+          </a:p>
+          <a:p>
+            <a:pPr marL="0" indent="0">
+              <a:buNone/>
+            </a:pPr>
+            <a:r>
+              <a:rPr lang="en-US" dirty="0"/>
+              <a:t>});</a:t>
+            </a:r>
+          </a:p>
+          <a:p>
+            <a:pPr marL="0" indent="0">
+              <a:buNone/>
+            </a:pPr>
+            <a:r>
+              <a:rPr lang="en-US" dirty="0" err="1"/>
+              <a:t>app.listen</a:t>
+            </a:r>
+            <a:r>
+              <a:rPr lang="en-US" dirty="0"/>
+              <a:t>(8000);</a:t>
+            </a:r>
+          </a:p>
+          <a:p>
+            <a:endParaRPr lang="en-US" dirty="0"/>
+          </a:p>
+        </p:txBody>
+      </p:sp>
+    </p:spTree>
+    <p:extLst>
+      <p:ext uri="{BB962C8B-B14F-4D97-AF65-F5344CB8AC3E}">
+        <p14:creationId xmlns:p14="http://schemas.microsoft.com/office/powerpoint/2010/main" val="2026781663"/>
+      </p:ext>
+    </p:extLst>
+  </p:cSld>
+  <p:clrMapOvr>
+    <a:masterClrMapping/>
+  </p:clrMapOvr>
+  <p:timing>
+    <p:tnLst>
+      <p:par>
+        <p:cTn id="1" dur="indefinite" restart="never" nodeType="tmRoot"/>
+      </p:par>
+    </p:tnLst>
+  </p:timing>
+</p:sld>
+</file>
+
+<file path=ppt/slides/slide8.xml><?xml version="1.0" encoding="utf-8"?>
 <p:sld xmlns:a="http://schemas.openxmlformats.org/drawingml/2006/main" xmlns:r="http://schemas.openxmlformats.org/officeDocument/2006/relationships" xmlns:p="http://schemas.openxmlformats.org/presentationml/2006/main">
   <p:cSld>
     <p:spTree>

--- a/tirgul/Express.pptx
+++ b/tirgul/Express.pptx
@@ -14298,8 +14298,12 @@
               <a:t> </a:t>
             </a:r>
             <a:r>
-              <a:rPr lang="en-US" smtClean="0"/>
-              <a:t>userName </a:t>
+              <a:rPr lang="en-US" dirty="0" err="1" smtClean="0"/>
+              <a:t>userName</a:t>
+            </a:r>
+            <a:r>
+              <a:rPr lang="en-US" dirty="0" smtClean="0"/>
+              <a:t> </a:t>
             </a:r>
             <a:r>
               <a:rPr lang="en-US" dirty="0"/>
